--- a/resources/新建 PPTX 演示文稿.pptx
+++ b/resources/新建 PPTX 演示文稿.pptx
@@ -3425,6 +3425,45 @@
         <p:nvPr/>
       </p:nvGrpSpPr>
       <p:grpSpPr/>
+      <p:sp>
+        <p:nvSpPr>
+          <p:cNvPr id="4" name="矩形 3"/>
+          <p:cNvSpPr/>
+          <p:nvPr/>
+        </p:nvSpPr>
+        <p:spPr>
+          <a:xfrm>
+            <a:off x="7454900" y="2324735"/>
+            <a:ext cx="1224000" cy="1224000"/>
+          </a:xfrm>
+          <a:prstGeom prst="rect">
+            <a:avLst/>
+          </a:prstGeom>
+        </p:spPr>
+        <p:style>
+          <a:lnRef idx="2">
+            <a:schemeClr val="accent6">
+              <a:shade val="50000"/>
+            </a:schemeClr>
+          </a:lnRef>
+          <a:fillRef idx="1">
+            <a:schemeClr val="accent6"/>
+          </a:fillRef>
+          <a:effectRef idx="0">
+            <a:schemeClr val="accent6"/>
+          </a:effectRef>
+          <a:fontRef idx="minor">
+            <a:schemeClr val="lt1"/>
+          </a:fontRef>
+        </p:style>
+        <p:txBody>
+          <a:bodyPr rtlCol="0" anchor="ctr"/>
+          <a:p>
+            <a:pPr algn="ctr"/>
+            <a:endParaRPr lang="zh-CN" altLang="en-US"/>
+          </a:p>
+        </p:txBody>
+      </p:sp>
       <p:pic>
         <p:nvPicPr>
           <p:cNvPr id="5" name="图片 4" descr="right"/>
@@ -3440,12 +3479,16 @@
         </p:blipFill>
         <p:spPr>
           <a:xfrm rot="5400000">
-            <a:off x="8836025" y="742950"/>
+            <a:off x="7454900" y="2324735"/>
             <a:ext cx="1224000" cy="1224000"/>
           </a:xfrm>
           <a:prstGeom prst="rect">
             <a:avLst/>
           </a:prstGeom>
+          <a:noFill/>
+          <a:ln>
+            <a:noFill/>
+          </a:ln>
         </p:spPr>
       </p:pic>
       <p:sp>
